--- a/doc/Project 3.pptx
+++ b/doc/Project 3.pptx
@@ -21340,8 +21340,12 @@
           <a:lstStyle/>
           <a:p>
             <a:r>
+              <a:rPr lang="en-US" sz="3600" b="0" dirty="0"/>
+              <a:t>Feature</a:t>
+            </a:r>
+            <a:r>
               <a:rPr lang="en-US" dirty="0"/>
-              <a:t>Feature Extraction</a:t>
+              <a:t> Extraction</a:t>
             </a:r>
           </a:p>
         </p:txBody>
@@ -24617,14 +24621,6 @@
 </file>
 
 <file path=customXml/item1.xml><?xml version="1.0" encoding="utf-8"?>
-<p:properties xmlns:p="http://schemas.microsoft.com/office/2006/metadata/properties" xmlns:xsi="http://www.w3.org/2001/XMLSchema-instance" xmlns:pc="http://schemas.microsoft.com/office/infopath/2007/PartnerControls">
-  <documentManagement>
-    <MediaServiceKeyPoints xmlns="71af3243-3dd4-4a8d-8c0d-dd76da1f02a5" xsi:nil="true"/>
-  </documentManagement>
-</p:properties>
-</file>
-
-<file path=customXml/item2.xml><?xml version="1.0" encoding="utf-8"?>
 <ct:contentTypeSchema xmlns:ct="http://schemas.microsoft.com/office/2006/metadata/contentType" xmlns:ma="http://schemas.microsoft.com/office/2006/metadata/properties/metaAttributes" ct:_="" ma:_="" ma:contentTypeName="Document" ma:contentTypeID="0x01010079F111ED35F8CC479449609E8A0923A6" ma:contentTypeVersion="11" ma:contentTypeDescription="Create a new document." ma:contentTypeScope="" ma:versionID="96291512c1ee715ab617f4c07df79fc1">
   <xsd:schema xmlns:xsd="http://www.w3.org/2001/XMLSchema" xmlns:xs="http://www.w3.org/2001/XMLSchema" xmlns:p="http://schemas.microsoft.com/office/2006/metadata/properties" xmlns:ns2="71af3243-3dd4-4a8d-8c0d-dd76da1f02a5" xmlns:ns3="16c05727-aa75-4e4a-9b5f-8a80a1165891" targetNamespace="http://schemas.microsoft.com/office/2006/metadata/properties" ma:root="true" ma:fieldsID="8256c27c40ca5c40ce1cf6c44f0205df" ns2:_="" ns3:_="">
     <xsd:import namespace="71af3243-3dd4-4a8d-8c0d-dd76da1f02a5"/>
@@ -24835,6 +24831,14 @@
 </ct:contentTypeSchema>
 </file>
 
+<file path=customXml/item2.xml><?xml version="1.0" encoding="utf-8"?>
+<p:properties xmlns:p="http://schemas.microsoft.com/office/2006/metadata/properties" xmlns:xsi="http://www.w3.org/2001/XMLSchema-instance" xmlns:pc="http://schemas.microsoft.com/office/infopath/2007/PartnerControls">
+  <documentManagement>
+    <MediaServiceKeyPoints xmlns="71af3243-3dd4-4a8d-8c0d-dd76da1f02a5" xsi:nil="true"/>
+  </documentManagement>
+</p:properties>
+</file>
+
 <file path=customXml/item3.xml><?xml version="1.0" encoding="utf-8"?>
 <?mso-contentType ?>
 <FormTemplates xmlns="http://schemas.microsoft.com/sharepoint/v3/contenttype/forms">
@@ -24845,16 +24849,6 @@
 </file>
 
 <file path=customXml/itemProps1.xml><?xml version="1.0" encoding="utf-8"?>
-<ds:datastoreItem xmlns:ds="http://schemas.openxmlformats.org/officeDocument/2006/customXml" ds:itemID="{DCB47EFB-BDBB-4CE5-A848-1507BE3B7989}">
-  <ds:schemaRefs>
-    <ds:schemaRef ds:uri="http://schemas.microsoft.com/office/2006/metadata/properties"/>
-    <ds:schemaRef ds:uri="http://schemas.microsoft.com/office/infopath/2007/PartnerControls"/>
-    <ds:schemaRef ds:uri="71af3243-3dd4-4a8d-8c0d-dd76da1f02a5"/>
-  </ds:schemaRefs>
-</ds:datastoreItem>
-</file>
-
-<file path=customXml/itemProps2.xml><?xml version="1.0" encoding="utf-8"?>
 <ds:datastoreItem xmlns:ds="http://schemas.openxmlformats.org/officeDocument/2006/customXml" ds:itemID="{B1AD0D4C-03C4-489C-932A-66E2D74FA6D5}">
   <ds:schemaRefs>
     <ds:schemaRef ds:uri="http://schemas.microsoft.com/office/2006/metadata/contentType"/>
@@ -24873,6 +24867,16 @@
 </ds:datastoreItem>
 </file>
 
+<file path=customXml/itemProps2.xml><?xml version="1.0" encoding="utf-8"?>
+<ds:datastoreItem xmlns:ds="http://schemas.openxmlformats.org/officeDocument/2006/customXml" ds:itemID="{DCB47EFB-BDBB-4CE5-A848-1507BE3B7989}">
+  <ds:schemaRefs>
+    <ds:schemaRef ds:uri="http://schemas.microsoft.com/office/2006/metadata/properties"/>
+    <ds:schemaRef ds:uri="http://schemas.microsoft.com/office/infopath/2007/PartnerControls"/>
+    <ds:schemaRef ds:uri="71af3243-3dd4-4a8d-8c0d-dd76da1f02a5"/>
+  </ds:schemaRefs>
+</ds:datastoreItem>
+</file>
+
 <file path=customXml/itemProps3.xml><?xml version="1.0" encoding="utf-8"?>
 <ds:datastoreItem xmlns:ds="http://schemas.openxmlformats.org/officeDocument/2006/customXml" ds:itemID="{3DC31EBE-A492-4CE5-9650-1E2C8FDDD7CE}">
   <ds:schemaRefs>
